--- a/media/presentationWithGraphs.pptx
+++ b/media/presentationWithGraphs.pptx
@@ -13488,15 +13488,15 @@
       </p:cxnSp>
       <p:pic>
         <p:nvPicPr>
-          <p:cNvPr id="1026" name="Picture 2" descr="Program Flow Image">
-            <a:extLst>
-              <a:ext uri="{FF2B5EF4-FFF2-40B4-BE49-F238E27FC236}">
-                <a16:creationId xmlns:a16="http://schemas.microsoft.com/office/drawing/2014/main" id="{E641E34A-953C-9CD9-C113-02725CC5B5DB}"/>
+          <p:cNvPr id="2" name="Picture 1">
+            <a:extLst>
+              <a:ext uri="{FF2B5EF4-FFF2-40B4-BE49-F238E27FC236}">
+                <a16:creationId xmlns:a16="http://schemas.microsoft.com/office/drawing/2014/main" id="{4A58BBB8-04F6-C35D-DD8E-4048BD046F1E}"/>
               </a:ext>
             </a:extLst>
           </p:cNvPr>
           <p:cNvPicPr>
-            <a:picLocks noChangeAspect="1" noChangeArrowheads="1"/>
+            <a:picLocks noChangeAspect="1"/>
           </p:cNvPicPr>
           <p:nvPr/>
         </p:nvPicPr>
@@ -13508,29 +13508,18 @@
               </a:ext>
             </a:extLst>
           </a:blip>
-          <a:srcRect/>
           <a:stretch>
             <a:fillRect/>
           </a:stretch>
         </p:blipFill>
-        <p:spPr bwMode="auto">
-          <a:xfrm>
-            <a:off x="3160031" y="1928672"/>
-            <a:ext cx="5819775" cy="3629025"/>
+        <p:spPr>
+          <a:xfrm>
+            <a:off x="3006173" y="1833237"/>
+            <a:ext cx="6684198" cy="4168051"/>
           </a:xfrm>
           <a:prstGeom prst="rect">
             <a:avLst/>
           </a:prstGeom>
-          <a:noFill/>
-          <a:extLst>
-            <a:ext uri="{909E8E84-426E-40DD-AFC4-6F175D3DCCD1}">
-              <a14:hiddenFill xmlns:a14="http://schemas.microsoft.com/office/drawing/2010/main">
-                <a:solidFill>
-                  <a:srgbClr val="FFFFFF"/>
-                </a:solidFill>
-              </a14:hiddenFill>
-            </a:ext>
-          </a:extLst>
         </p:spPr>
       </p:pic>
     </p:spTree>
@@ -13636,50 +13625,6 @@
                                         </p:tav>
                                       </p:tavLst>
                                     </p:anim>
-                                  </p:childTnLst>
-                                </p:cTn>
-                              </p:par>
-                            </p:childTnLst>
-                          </p:cTn>
-                        </p:par>
-                        <p:par>
-                          <p:cTn id="9" fill="hold">
-                            <p:stCondLst>
-                              <p:cond delay="500"/>
-                            </p:stCondLst>
-                            <p:childTnLst>
-                              <p:par>
-                                <p:cTn id="10" presetID="10" presetClass="entr" presetSubtype="0" fill="hold" nodeType="afterEffect">
-                                  <p:stCondLst>
-                                    <p:cond delay="0"/>
-                                  </p:stCondLst>
-                                  <p:childTnLst>
-                                    <p:set>
-                                      <p:cBhvr>
-                                        <p:cTn id="11" dur="1" fill="hold">
-                                          <p:stCondLst>
-                                            <p:cond delay="0"/>
-                                          </p:stCondLst>
-                                        </p:cTn>
-                                        <p:tgtEl>
-                                          <p:spTgt spid="1026"/>
-                                        </p:tgtEl>
-                                        <p:attrNameLst>
-                                          <p:attrName>style.visibility</p:attrName>
-                                        </p:attrNameLst>
-                                      </p:cBhvr>
-                                      <p:to>
-                                        <p:strVal val="visible"/>
-                                      </p:to>
-                                    </p:set>
-                                    <p:animEffect transition="in" filter="fade">
-                                      <p:cBhvr>
-                                        <p:cTn id="12" dur="500"/>
-                                        <p:tgtEl>
-                                          <p:spTgt spid="1026"/>
-                                        </p:tgtEl>
-                                      </p:cBhvr>
-                                    </p:animEffect>
                                   </p:childTnLst>
                                 </p:cTn>
                               </p:par>
